--- a/Projet FitBit.pptx
+++ b/Projet FitBit.pptx
@@ -5,19 +5,20 @@
     <p:sldMasterId id="2147483684" r:id="rId4"/>
   </p:sldMasterIdLst>
   <p:notesMasterIdLst>
-    <p:notesMasterId r:id="rId15"/>
+    <p:notesMasterId r:id="rId16"/>
   </p:notesMasterIdLst>
   <p:sldIdLst>
     <p:sldId id="256" r:id="rId5"/>
     <p:sldId id="257" r:id="rId6"/>
-    <p:sldId id="258" r:id="rId7"/>
-    <p:sldId id="259" r:id="rId8"/>
-    <p:sldId id="260" r:id="rId9"/>
-    <p:sldId id="266" r:id="rId10"/>
-    <p:sldId id="265" r:id="rId11"/>
-    <p:sldId id="261" r:id="rId12"/>
-    <p:sldId id="262" r:id="rId13"/>
-    <p:sldId id="267" r:id="rId14"/>
+    <p:sldId id="268" r:id="rId7"/>
+    <p:sldId id="258" r:id="rId8"/>
+    <p:sldId id="259" r:id="rId9"/>
+    <p:sldId id="260" r:id="rId10"/>
+    <p:sldId id="266" r:id="rId11"/>
+    <p:sldId id="265" r:id="rId12"/>
+    <p:sldId id="261" r:id="rId13"/>
+    <p:sldId id="262" r:id="rId14"/>
+    <p:sldId id="267" r:id="rId15"/>
   </p:sldIdLst>
   <p:sldSz cx="9144000" cy="6858000" type="screen4x3"/>
   <p:notesSz cx="6858000" cy="9144000"/>
@@ -375,7 +376,7 @@
           <a:p>
             <a:fld id="{36F3FB16-C629-4AF5-8310-5FF99C1967AB}" type="slidenum">
               <a:rPr lang="fr-FR"/>
-              <a:t>‹N°›</a:t>
+              <a:t>‹#›</a:t>
             </a:fld>
             <a:endParaRPr lang="fr-FR"/>
           </a:p>
@@ -503,7 +504,7 @@
       </p:grpSpPr>
       <p:sp>
         <p:nvSpPr>
-          <p:cNvPr id="2" name="Espace réservé de l'image des diapositives 1"/>
+          <p:cNvPr id="2" name="Espace réservé de l’image des diapositives 1"/>
           <p:cNvSpPr>
             <a:spLocks noGrp="1" noRot="1" noChangeAspect="1"/>
           </p:cNvSpPr>
@@ -515,7 +516,7 @@
       </p:sp>
       <p:sp>
         <p:nvSpPr>
-          <p:cNvPr id="3" name="Espace réservé des notes 2"/>
+          <p:cNvPr id="3" name="Espace réservé des commentaires 2"/>
           <p:cNvSpPr>
             <a:spLocks noGrp="1"/>
           </p:cNvSpPr>
@@ -528,7 +529,7 @@
           <a:bodyPr/>
           <a:lstStyle/>
           <a:p>
-            <a:endParaRPr lang="fr-FR"/>
+            <a:endParaRPr lang="fr-FR" dirty="0"/>
           </a:p>
         </p:txBody>
       </p:sp>
@@ -548,8 +549,8 @@
           <a:lstStyle/>
           <a:p>
             <a:fld id="{36F3FB16-C629-4AF5-8310-5FF99C1967AB}" type="slidenum">
-              <a:rPr lang="fr-FR"/>
-              <a:t>‹N°›</a:t>
+              <a:rPr lang="fr-FR" smtClean="0"/>
+              <a:t>3</a:t>
             </a:fld>
             <a:endParaRPr lang="fr-FR"/>
           </a:p>
@@ -558,7 +559,7 @@
     </p:spTree>
     <p:extLst>
       <p:ext uri="{BB962C8B-B14F-4D97-AF65-F5344CB8AC3E}">
-        <p14:creationId xmlns:p14="http://schemas.microsoft.com/office/powerpoint/2010/main" val="2272332021"/>
+        <p14:creationId xmlns:p14="http://schemas.microsoft.com/office/powerpoint/2010/main" val="1581648215"/>
       </p:ext>
     </p:extLst>
   </p:cSld>
@@ -633,7 +634,7 @@
           <a:p>
             <a:fld id="{36F3FB16-C629-4AF5-8310-5FF99C1967AB}" type="slidenum">
               <a:rPr lang="fr-FR"/>
-              <a:t>‹N°›</a:t>
+              <a:t>7</a:t>
             </a:fld>
             <a:endParaRPr lang="fr-FR"/>
           </a:p>
@@ -642,7 +643,7 @@
     </p:spTree>
     <p:extLst>
       <p:ext uri="{BB962C8B-B14F-4D97-AF65-F5344CB8AC3E}">
-        <p14:creationId xmlns:p14="http://schemas.microsoft.com/office/powerpoint/2010/main" val="2482315560"/>
+        <p14:creationId xmlns:p14="http://schemas.microsoft.com/office/powerpoint/2010/main" val="2272332021"/>
       </p:ext>
     </p:extLst>
   </p:cSld>
@@ -717,7 +718,7 @@
           <a:p>
             <a:fld id="{36F3FB16-C629-4AF5-8310-5FF99C1967AB}" type="slidenum">
               <a:rPr lang="fr-FR"/>
-              <a:t>‹N°›</a:t>
+              <a:t>8</a:t>
             </a:fld>
             <a:endParaRPr lang="fr-FR"/>
           </a:p>
@@ -726,7 +727,7 @@
     </p:spTree>
     <p:extLst>
       <p:ext uri="{BB962C8B-B14F-4D97-AF65-F5344CB8AC3E}">
-        <p14:creationId xmlns:p14="http://schemas.microsoft.com/office/powerpoint/2010/main" val="936776060"/>
+        <p14:creationId xmlns:p14="http://schemas.microsoft.com/office/powerpoint/2010/main" val="2482315560"/>
       </p:ext>
     </p:extLst>
   </p:cSld>
@@ -801,7 +802,91 @@
           <a:p>
             <a:fld id="{36F3FB16-C629-4AF5-8310-5FF99C1967AB}" type="slidenum">
               <a:rPr lang="fr-FR"/>
-              <a:t>‹N°›</a:t>
+              <a:t>10</a:t>
+            </a:fld>
+            <a:endParaRPr lang="fr-FR"/>
+          </a:p>
+        </p:txBody>
+      </p:sp>
+    </p:spTree>
+    <p:extLst>
+      <p:ext uri="{BB962C8B-B14F-4D97-AF65-F5344CB8AC3E}">
+        <p14:creationId xmlns:p14="http://schemas.microsoft.com/office/powerpoint/2010/main" val="936776060"/>
+      </p:ext>
+    </p:extLst>
+  </p:cSld>
+  <p:clrMapOvr>
+    <a:masterClrMapping/>
+  </p:clrMapOvr>
+</p:notes>
+</file>
+
+<file path=ppt/notesSlides/notesSlide5.xml><?xml version="1.0" encoding="utf-8"?>
+<p:notes xmlns:a="http://schemas.openxmlformats.org/drawingml/2006/main" xmlns:r="http://schemas.openxmlformats.org/officeDocument/2006/relationships" xmlns:p="http://schemas.openxmlformats.org/presentationml/2006/main">
+  <p:cSld>
+    <p:spTree>
+      <p:nvGrpSpPr>
+        <p:cNvPr id="1" name=""/>
+        <p:cNvGrpSpPr/>
+        <p:nvPr/>
+      </p:nvGrpSpPr>
+      <p:grpSpPr>
+        <a:xfrm>
+          <a:off x="0" y="0"/>
+          <a:ext cx="0" cy="0"/>
+          <a:chOff x="0" y="0"/>
+          <a:chExt cx="0" cy="0"/>
+        </a:xfrm>
+      </p:grpSpPr>
+      <p:sp>
+        <p:nvSpPr>
+          <p:cNvPr id="2" name="Espace réservé de l'image des diapositives 1"/>
+          <p:cNvSpPr>
+            <a:spLocks noGrp="1" noRot="1" noChangeAspect="1"/>
+          </p:cNvSpPr>
+          <p:nvPr>
+            <p:ph type="sldImg"/>
+          </p:nvPr>
+        </p:nvSpPr>
+        <p:spPr/>
+      </p:sp>
+      <p:sp>
+        <p:nvSpPr>
+          <p:cNvPr id="3" name="Espace réservé des notes 2"/>
+          <p:cNvSpPr>
+            <a:spLocks noGrp="1"/>
+          </p:cNvSpPr>
+          <p:nvPr>
+            <p:ph type="body" idx="1"/>
+          </p:nvPr>
+        </p:nvSpPr>
+        <p:spPr/>
+        <p:txBody>
+          <a:bodyPr/>
+          <a:lstStyle/>
+          <a:p>
+            <a:endParaRPr lang="fr-FR"/>
+          </a:p>
+        </p:txBody>
+      </p:sp>
+      <p:sp>
+        <p:nvSpPr>
+          <p:cNvPr id="4" name="Espace réservé du numéro de diapositive 3"/>
+          <p:cNvSpPr>
+            <a:spLocks noGrp="1"/>
+          </p:cNvSpPr>
+          <p:nvPr>
+            <p:ph type="sldNum" sz="quarter" idx="10"/>
+          </p:nvPr>
+        </p:nvSpPr>
+        <p:spPr/>
+        <p:txBody>
+          <a:bodyPr/>
+          <a:lstStyle/>
+          <a:p>
+            <a:fld id="{36F3FB16-C629-4AF5-8310-5FF99C1967AB}" type="slidenum">
+              <a:rPr lang="fr-FR"/>
+              <a:t>11</a:t>
             </a:fld>
             <a:endParaRPr lang="fr-FR"/>
           </a:p>
@@ -973,7 +1058,7 @@
           <a:p>
             <a:fld id="{91E6C957-2278-4F8C-888E-2047AE7EFBC6}" type="slidenum">
               <a:rPr lang="fr-FR" smtClean="0"/>
-              <a:t>‹N°›</a:t>
+              <a:t>‹#›</a:t>
             </a:fld>
             <a:endParaRPr lang="fr-FR"/>
           </a:p>
@@ -1199,7 +1284,7 @@
           <a:p>
             <a:fld id="{91E6C957-2278-4F8C-888E-2047AE7EFBC6}" type="slidenum">
               <a:rPr lang="fr-FR" smtClean="0"/>
-              <a:t>‹N°›</a:t>
+              <a:t>‹#›</a:t>
             </a:fld>
             <a:endParaRPr lang="fr-FR"/>
           </a:p>
@@ -1374,7 +1459,7 @@
           <a:p>
             <a:fld id="{91E6C957-2278-4F8C-888E-2047AE7EFBC6}" type="slidenum">
               <a:rPr lang="fr-FR" smtClean="0"/>
-              <a:t>‹N°›</a:t>
+              <a:t>‹#›</a:t>
             </a:fld>
             <a:endParaRPr lang="fr-FR"/>
           </a:p>
@@ -1539,7 +1624,7 @@
           <a:p>
             <a:fld id="{91E6C957-2278-4F8C-888E-2047AE7EFBC6}" type="slidenum">
               <a:rPr lang="fr-FR" smtClean="0"/>
-              <a:t>‹N°›</a:t>
+              <a:t>‹#›</a:t>
             </a:fld>
             <a:endParaRPr lang="fr-FR"/>
           </a:p>
@@ -1788,7 +1873,7 @@
           <a:p>
             <a:fld id="{91E6C957-2278-4F8C-888E-2047AE7EFBC6}" type="slidenum">
               <a:rPr lang="fr-FR" smtClean="0"/>
-              <a:t>‹N°›</a:t>
+              <a:t>‹#›</a:t>
             </a:fld>
             <a:endParaRPr lang="fr-FR"/>
           </a:p>
@@ -2047,7 +2132,7 @@
           <a:p>
             <a:fld id="{91E6C957-2278-4F8C-888E-2047AE7EFBC6}" type="slidenum">
               <a:rPr lang="fr-FR" smtClean="0"/>
-              <a:t>‹N°›</a:t>
+              <a:t>‹#›</a:t>
             </a:fld>
             <a:endParaRPr lang="fr-FR"/>
           </a:p>
@@ -2421,7 +2506,7 @@
           <a:p>
             <a:fld id="{91E6C957-2278-4F8C-888E-2047AE7EFBC6}" type="slidenum">
               <a:rPr lang="fr-FR" smtClean="0"/>
-              <a:t>‹N°›</a:t>
+              <a:t>‹#›</a:t>
             </a:fld>
             <a:endParaRPr lang="fr-FR"/>
           </a:p>
@@ -2534,7 +2619,7 @@
           <a:p>
             <a:fld id="{91E6C957-2278-4F8C-888E-2047AE7EFBC6}" type="slidenum">
               <a:rPr lang="fr-FR" smtClean="0"/>
-              <a:t>‹N°›</a:t>
+              <a:t>‹#›</a:t>
             </a:fld>
             <a:endParaRPr lang="fr-FR"/>
           </a:p>
@@ -2624,7 +2709,7 @@
           <a:p>
             <a:fld id="{91E6C957-2278-4F8C-888E-2047AE7EFBC6}" type="slidenum">
               <a:rPr lang="fr-FR" smtClean="0"/>
-              <a:t>‹N°›</a:t>
+              <a:t>‹#›</a:t>
             </a:fld>
             <a:endParaRPr lang="fr-FR"/>
           </a:p>
@@ -2882,7 +2967,7 @@
           <a:p>
             <a:fld id="{91E6C957-2278-4F8C-888E-2047AE7EFBC6}" type="slidenum">
               <a:rPr lang="fr-FR" smtClean="0"/>
-              <a:t>‹N°›</a:t>
+              <a:t>‹#›</a:t>
             </a:fld>
             <a:endParaRPr lang="fr-FR"/>
           </a:p>
@@ -3146,7 +3231,7 @@
           <a:p>
             <a:fld id="{91E6C957-2278-4F8C-888E-2047AE7EFBC6}" type="slidenum">
               <a:rPr lang="fr-FR" smtClean="0"/>
-              <a:t>‹N°›</a:t>
+              <a:t>‹#›</a:t>
             </a:fld>
             <a:endParaRPr lang="fr-FR"/>
           </a:p>
@@ -3399,7 +3484,7 @@
           <a:p>
             <a:fld id="{91E6C957-2278-4F8C-888E-2047AE7EFBC6}" type="slidenum">
               <a:rPr lang="fr-FR" smtClean="0"/>
-              <a:t>‹N°›</a:t>
+              <a:t>‹#›</a:t>
             </a:fld>
             <a:endParaRPr lang="fr-FR"/>
           </a:p>
@@ -3849,6 +3934,82 @@
           <a:p>
             <a:r>
               <a:rPr lang="fr-FR" dirty="0"/>
+              <a:t>Question ?</a:t>
+            </a:r>
+          </a:p>
+        </p:txBody>
+      </p:sp>
+      <p:sp>
+        <p:nvSpPr>
+          <p:cNvPr id="4" name="Espace réservé du contenu 3"/>
+          <p:cNvSpPr>
+            <a:spLocks noGrp="1"/>
+          </p:cNvSpPr>
+          <p:nvPr>
+            <p:ph idx="1"/>
+          </p:nvPr>
+        </p:nvSpPr>
+        <p:spPr/>
+        <p:txBody>
+          <a:bodyPr vert="horz" anchor="t">
+            <a:normAutofit/>
+          </a:bodyPr>
+          <a:lstStyle/>
+          <a:p>
+            <a:pPr marL="137160" indent="0">
+              <a:buNone/>
+            </a:pPr>
+            <a:endParaRPr lang="fr-FR" dirty="0"/>
+          </a:p>
+        </p:txBody>
+      </p:sp>
+    </p:spTree>
+    <p:extLst>
+      <p:ext uri="{BB962C8B-B14F-4D97-AF65-F5344CB8AC3E}">
+        <p14:creationId xmlns:p14="http://schemas.microsoft.com/office/powerpoint/2010/main" val="2072462896"/>
+      </p:ext>
+    </p:extLst>
+  </p:cSld>
+  <p:clrMapOvr>
+    <a:masterClrMapping/>
+  </p:clrMapOvr>
+</p:sld>
+</file>
+
+<file path=ppt/slides/slide11.xml><?xml version="1.0" encoding="utf-8"?>
+<p:sld xmlns:a="http://schemas.openxmlformats.org/drawingml/2006/main" xmlns:r="http://schemas.openxmlformats.org/officeDocument/2006/relationships" xmlns:p="http://schemas.openxmlformats.org/presentationml/2006/main">
+  <p:cSld>
+    <p:spTree>
+      <p:nvGrpSpPr>
+        <p:cNvPr id="1" name=""/>
+        <p:cNvGrpSpPr/>
+        <p:nvPr/>
+      </p:nvGrpSpPr>
+      <p:grpSpPr>
+        <a:xfrm>
+          <a:off x="0" y="0"/>
+          <a:ext cx="0" cy="0"/>
+          <a:chOff x="0" y="0"/>
+          <a:chExt cx="0" cy="0"/>
+        </a:xfrm>
+      </p:grpSpPr>
+      <p:sp>
+        <p:nvSpPr>
+          <p:cNvPr id="2" name="Titre 1"/>
+          <p:cNvSpPr>
+            <a:spLocks noGrp="1"/>
+          </p:cNvSpPr>
+          <p:nvPr>
+            <p:ph type="title"/>
+          </p:nvPr>
+        </p:nvSpPr>
+        <p:spPr/>
+        <p:txBody>
+          <a:bodyPr/>
+          <a:lstStyle/>
+          <a:p>
+            <a:r>
+              <a:rPr lang="fr-FR" dirty="0"/>
               <a:t>Merci de votre attention</a:t>
             </a:r>
           </a:p>
@@ -4035,64 +4196,46 @@
           <a:lstStyle/>
           <a:p>
             <a:r>
-              <a:rPr lang="fr-FR" dirty="0"/>
-              <a:t>Les objectifs de la Refonte</a:t>
-            </a:r>
-          </a:p>
-        </p:txBody>
-      </p:sp>
-      <p:sp>
-        <p:nvSpPr>
-          <p:cNvPr id="3" name="Espace réservé du contenu 2"/>
-          <p:cNvSpPr>
-            <a:spLocks noGrp="1"/>
-          </p:cNvSpPr>
+              <a:rPr lang="fr-FR" dirty="0" smtClean="0"/>
+              <a:t>Arborescence</a:t>
+            </a:r>
+            <a:endParaRPr lang="fr-FR" dirty="0"/>
+          </a:p>
+        </p:txBody>
+      </p:sp>
+      <p:pic>
+        <p:nvPicPr>
+          <p:cNvPr id="4" name="Espace réservé du contenu 3"/>
+          <p:cNvPicPr>
+            <a:picLocks noGrp="1" noChangeAspect="1"/>
+          </p:cNvPicPr>
           <p:nvPr>
             <p:ph idx="1"/>
           </p:nvPr>
-        </p:nvSpPr>
-        <p:spPr/>
-        <p:txBody>
-          <a:bodyPr vert="horz" anchor="t">
-            <a:normAutofit/>
-          </a:bodyPr>
-          <a:lstStyle/>
-          <a:p>
-            <a:endParaRPr lang="fr-FR" dirty="0"/>
-          </a:p>
-          <a:p>
-            <a:r>
-              <a:rPr lang="fr-FR" dirty="0"/>
-              <a:t>Améliorer l’expérience utilisateur</a:t>
-            </a:r>
-          </a:p>
-          <a:p>
-            <a:endParaRPr lang="fr-FR" dirty="0"/>
-          </a:p>
-          <a:p>
-            <a:r>
-              <a:rPr lang="fr-FR" dirty="0"/>
-              <a:t>Optimiser la représentativité des données</a:t>
-            </a:r>
-          </a:p>
-          <a:p>
-            <a:endParaRPr lang="fr-FR" dirty="0"/>
-          </a:p>
-          <a:p>
-            <a:r>
-              <a:rPr lang="fr-FR" dirty="0"/>
-              <a:t>Faire une refonte graphique de l’interface</a:t>
-            </a:r>
-          </a:p>
-          <a:p>
-            <a:endParaRPr lang="fr-FR" dirty="0"/>
-          </a:p>
-        </p:txBody>
-      </p:sp>
+        </p:nvPicPr>
+        <p:blipFill>
+          <a:blip r:embed="rId3">
+            <a:extLst>
+              <a:ext uri="{28A0092B-C50C-407E-A947-70E740481C1C}">
+                <a14:useLocalDpi xmlns:a14="http://schemas.microsoft.com/office/drawing/2010/main" val="0"/>
+              </a:ext>
+            </a:extLst>
+          </a:blip>
+          <a:stretch>
+            <a:fillRect/>
+          </a:stretch>
+        </p:blipFill>
+        <p:spPr>
+          <a:xfrm>
+            <a:off x="1564384" y="1600200"/>
+            <a:ext cx="6015231" cy="4708525"/>
+          </a:xfrm>
+        </p:spPr>
+      </p:pic>
     </p:spTree>
     <p:extLst>
       <p:ext uri="{BB962C8B-B14F-4D97-AF65-F5344CB8AC3E}">
-        <p14:creationId xmlns:p14="http://schemas.microsoft.com/office/powerpoint/2010/main" val="1313985923"/>
+        <p14:creationId xmlns:p14="http://schemas.microsoft.com/office/powerpoint/2010/main" val="123832322"/>
       </p:ext>
     </p:extLst>
   </p:cSld>
@@ -4131,14 +4274,12 @@
         </p:nvSpPr>
         <p:spPr/>
         <p:txBody>
-          <a:bodyPr>
-            <a:normAutofit fontScale="90000"/>
-          </a:bodyPr>
+          <a:bodyPr/>
           <a:lstStyle/>
           <a:p>
             <a:r>
               <a:rPr lang="fr-FR" dirty="0"/>
-              <a:t>Les composants de la nouvelle application</a:t>
+              <a:t>Les objectifs de la Refonte</a:t>
             </a:r>
           </a:p>
         </p:txBody>
@@ -4160,9 +4301,12 @@
           </a:bodyPr>
           <a:lstStyle/>
           <a:p>
+            <a:endParaRPr lang="fr-FR" dirty="0"/>
+          </a:p>
+          <a:p>
             <a:r>
               <a:rPr lang="fr-FR" dirty="0"/>
-              <a:t>4 onglets pour 4 domaines d’activité</a:t>
+              <a:t>Améliorer l’expérience utilisateur</a:t>
             </a:r>
           </a:p>
           <a:p>
@@ -4171,7 +4315,7 @@
           <a:p>
             <a:r>
               <a:rPr lang="fr-FR" dirty="0"/>
-              <a:t>Chaque onglet aura ses propres statistiques incluses dans des demi-cercles</a:t>
+              <a:t>Optimiser la représentativité des données</a:t>
             </a:r>
           </a:p>
           <a:p>
@@ -4180,24 +4324,18 @@
           <a:p>
             <a:r>
               <a:rPr lang="fr-FR" dirty="0"/>
-              <a:t>Accès à un graphique interactif  par onglet</a:t>
+              <a:t>Faire une refonte graphique de l’interface</a:t>
             </a:r>
           </a:p>
           <a:p>
             <a:endParaRPr lang="fr-FR" dirty="0"/>
-          </a:p>
-          <a:p>
-            <a:r>
-              <a:rPr lang="fr-FR" dirty="0"/>
-              <a:t>Liste permettant de suivre la progression de ses amis </a:t>
-            </a:r>
           </a:p>
         </p:txBody>
       </p:sp>
     </p:spTree>
     <p:extLst>
       <p:ext uri="{BB962C8B-B14F-4D97-AF65-F5344CB8AC3E}">
-        <p14:creationId xmlns:p14="http://schemas.microsoft.com/office/powerpoint/2010/main" val="1002288586"/>
+        <p14:creationId xmlns:p14="http://schemas.microsoft.com/office/powerpoint/2010/main" val="1313985923"/>
       </p:ext>
     </p:extLst>
   </p:cSld>
@@ -4236,12 +4374,14 @@
         </p:nvSpPr>
         <p:spPr/>
         <p:txBody>
-          <a:bodyPr/>
+          <a:bodyPr>
+            <a:normAutofit fontScale="90000"/>
+          </a:bodyPr>
           <a:lstStyle/>
           <a:p>
             <a:r>
               <a:rPr lang="fr-FR" dirty="0"/>
-              <a:t>Utilité de la Refonte</a:t>
+              <a:t>Les composants de la nouvelle application</a:t>
             </a:r>
           </a:p>
         </p:txBody>
@@ -4259,27 +4399,31 @@
         <p:spPr/>
         <p:txBody>
           <a:bodyPr vert="horz" anchor="t">
-            <a:normAutofit fontScale="92500" lnSpcReduction="20000"/>
+            <a:normAutofit/>
           </a:bodyPr>
           <a:lstStyle/>
           <a:p>
             <a:r>
               <a:rPr lang="fr-FR" dirty="0"/>
-              <a:t>Application</a:t>
-            </a:r>
-          </a:p>
-          <a:p>
-            <a:pPr lvl="1"/>
+              <a:t>4 onglets pour 4 domaines d’activité</a:t>
+            </a:r>
+          </a:p>
+          <a:p>
+            <a:endParaRPr lang="fr-FR" dirty="0"/>
+          </a:p>
+          <a:p>
             <a:r>
               <a:rPr lang="fr-FR" dirty="0"/>
-              <a:t>+ Facile </a:t>
-            </a:r>
-          </a:p>
-          <a:p>
-            <a:pPr lvl="1"/>
+              <a:t>Chaque onglet aura ses propres statistiques incluses dans des demi-cercles</a:t>
+            </a:r>
+          </a:p>
+          <a:p>
+            <a:endParaRPr lang="fr-FR" dirty="0"/>
+          </a:p>
+          <a:p>
             <a:r>
               <a:rPr lang="fr-FR" dirty="0"/>
-              <a:t>+ Intuitive</a:t>
+              <a:t>Accès à un graphique interactif  par onglet</a:t>
             </a:r>
           </a:p>
           <a:p>
@@ -4288,44 +4432,7 @@
           <a:p>
             <a:r>
               <a:rPr lang="fr-FR" dirty="0"/>
-              <a:t>Page</a:t>
-            </a:r>
-          </a:p>
-          <a:p>
-            <a:pPr lvl="1"/>
-            <a:r>
-              <a:rPr lang="fr-FR" dirty="0"/>
-              <a:t>Info en rapport</a:t>
-            </a:r>
-          </a:p>
-          <a:p>
-            <a:pPr lvl="1"/>
-            <a:endParaRPr lang="fr-FR" dirty="0"/>
-          </a:p>
-          <a:p>
-            <a:r>
-              <a:rPr lang="fr-FR" dirty="0"/>
-              <a:t>Données </a:t>
-            </a:r>
-          </a:p>
-          <a:p>
-            <a:pPr lvl="1"/>
-            <a:r>
-              <a:rPr lang="fr-FR" dirty="0"/>
-              <a:t>+ Détaillées </a:t>
-            </a:r>
-          </a:p>
-          <a:p>
-            <a:pPr lvl="1"/>
-            <a:r>
-              <a:rPr lang="fr-FR" dirty="0"/>
-              <a:t>+ Précises</a:t>
-            </a:r>
-          </a:p>
-          <a:p>
-            <a:r>
-              <a:rPr lang="fr-FR" dirty="0"/>
-              <a:t>Le temps de chargement est le plus court possible pour que l’utilisateur gagne du temps </a:t>
+              <a:t>Liste permettant de suivre la progression de ses amis </a:t>
             </a:r>
           </a:p>
         </p:txBody>
@@ -4333,7 +4440,7 @@
     </p:spTree>
     <p:extLst>
       <p:ext uri="{BB962C8B-B14F-4D97-AF65-F5344CB8AC3E}">
-        <p14:creationId xmlns:p14="http://schemas.microsoft.com/office/powerpoint/2010/main" val="446124434"/>
+        <p14:creationId xmlns:p14="http://schemas.microsoft.com/office/powerpoint/2010/main" val="1002288586"/>
       </p:ext>
     </p:extLst>
   </p:cSld>
@@ -4377,7 +4484,7 @@
           <a:p>
             <a:r>
               <a:rPr lang="fr-FR" dirty="0"/>
-              <a:t>Front End</a:t>
+              <a:t>Utilité de la Refonte</a:t>
             </a:r>
           </a:p>
         </p:txBody>
@@ -4395,123 +4502,81 @@
         <p:spPr/>
         <p:txBody>
           <a:bodyPr vert="horz" anchor="t">
-            <a:normAutofit/>
+            <a:normAutofit fontScale="92500" lnSpcReduction="20000"/>
           </a:bodyPr>
           <a:lstStyle/>
           <a:p>
             <a:r>
               <a:rPr lang="fr-FR" dirty="0"/>
-              <a:t>Front End avec </a:t>
-            </a:r>
-            <a:r>
-              <a:rPr lang="fr-FR" dirty="0" err="1"/>
-              <a:t>AngularJs</a:t>
-            </a:r>
-            <a:endParaRPr lang="en-US" dirty="0"/>
+              <a:t>Application</a:t>
+            </a:r>
           </a:p>
           <a:p>
             <a:pPr lvl="1"/>
             <a:r>
               <a:rPr lang="fr-FR" dirty="0"/>
-              <a:t>4 Onglets de navigation :</a:t>
-            </a:r>
-          </a:p>
-          <a:p>
-            <a:pPr lvl="2"/>
+              <a:t>+ Facile </a:t>
+            </a:r>
+          </a:p>
+          <a:p>
+            <a:pPr lvl="1"/>
             <a:r>
               <a:rPr lang="fr-FR" dirty="0"/>
-              <a:t>Profile</a:t>
-            </a:r>
-          </a:p>
-          <a:p>
-            <a:pPr lvl="2"/>
+              <a:t>+ Intuitive</a:t>
+            </a:r>
+          </a:p>
+          <a:p>
+            <a:endParaRPr lang="fr-FR" dirty="0"/>
+          </a:p>
+          <a:p>
             <a:r>
               <a:rPr lang="fr-FR" dirty="0"/>
-              <a:t>Activity</a:t>
-            </a:r>
-          </a:p>
-          <a:p>
-            <a:pPr lvl="2"/>
+              <a:t>Page</a:t>
+            </a:r>
+          </a:p>
+          <a:p>
+            <a:pPr lvl="1"/>
             <a:r>
               <a:rPr lang="fr-FR" dirty="0"/>
-              <a:t>Performance</a:t>
-            </a:r>
-          </a:p>
-          <a:p>
-            <a:pPr lvl="2"/>
-            <a:r>
-              <a:rPr lang="fr-FR" dirty="0" err="1"/>
-              <a:t>Sleep</a:t>
-            </a:r>
-            <a:endParaRPr lang="fr-FR" dirty="0"/>
-          </a:p>
-          <a:p>
-            <a:pPr lvl="1"/>
-            <a:r>
-              <a:rPr lang="fr-FR"/>
-              <a:t>Widgets indiquant </a:t>
-            </a:r>
-            <a:r>
-              <a:rPr lang="fr-FR" dirty="0"/>
-              <a:t>les données du jour actuel</a:t>
-            </a:r>
-          </a:p>
-          <a:p>
-            <a:pPr lvl="1"/>
-            <a:r>
-              <a:rPr lang="fr-FR" dirty="0"/>
-              <a:t>Graphiques </a:t>
-            </a:r>
-            <a:r>
-              <a:rPr lang="fr-FR" dirty="0" err="1"/>
-              <a:t>interractifs</a:t>
-            </a:r>
-            <a:r>
-              <a:rPr lang="fr-FR" dirty="0"/>
-              <a:t> présentant les données sur la dernière semaine/mois/année</a:t>
-            </a:r>
-          </a:p>
-          <a:p>
-            <a:pPr lvl="1"/>
-            <a:r>
-              <a:rPr lang="fr-FR" dirty="0"/>
-              <a:t>Un </a:t>
-            </a:r>
-            <a:r>
-              <a:rPr lang="fr-FR" dirty="0" err="1"/>
-              <a:t>side</a:t>
-            </a:r>
-            <a:r>
-              <a:rPr lang="fr-FR" dirty="0"/>
-              <a:t> menu </a:t>
-            </a:r>
-            <a:r>
-              <a:rPr lang="fr-FR" dirty="0" err="1"/>
-              <a:t>friend</a:t>
-            </a:r>
-            <a:r>
-              <a:rPr lang="fr-FR" dirty="0"/>
-              <a:t>, et un bouton réglage</a:t>
-            </a:r>
-          </a:p>
-          <a:p>
-            <a:pPr lvl="2"/>
-            <a:endParaRPr lang="fr-FR" dirty="0"/>
+              <a:t>Info en rapport</a:t>
+            </a:r>
           </a:p>
           <a:p>
             <a:pPr lvl="1"/>
             <a:endParaRPr lang="fr-FR" dirty="0"/>
           </a:p>
           <a:p>
+            <a:r>
+              <a:rPr lang="fr-FR" dirty="0"/>
+              <a:t>Données </a:t>
+            </a:r>
+          </a:p>
+          <a:p>
             <a:pPr lvl="1"/>
-            <a:endParaRPr lang="fr-FR" dirty="0"/>
+            <a:r>
+              <a:rPr lang="fr-FR" dirty="0"/>
+              <a:t>+ Détaillées </a:t>
+            </a:r>
+          </a:p>
+          <a:p>
+            <a:pPr lvl="1"/>
+            <a:r>
+              <a:rPr lang="fr-FR" dirty="0"/>
+              <a:t>+ Précises</a:t>
+            </a:r>
+          </a:p>
+          <a:p>
+            <a:r>
+              <a:rPr lang="fr-FR" dirty="0"/>
+              <a:t>Le temps de chargement est le plus court possible pour que l’utilisateur gagne du temps </a:t>
+            </a:r>
           </a:p>
         </p:txBody>
       </p:sp>
     </p:spTree>
     <p:extLst>
       <p:ext uri="{BB962C8B-B14F-4D97-AF65-F5344CB8AC3E}">
-        <p14:creationId xmlns:p14="http://schemas.microsoft.com/office/powerpoint/2010/main" val="2667706295"/>
+        <p14:creationId xmlns:p14="http://schemas.microsoft.com/office/powerpoint/2010/main" val="446124434"/>
       </p:ext>
     </p:extLst>
   </p:cSld>
@@ -4555,7 +4620,7 @@
           <a:p>
             <a:r>
               <a:rPr lang="fr-FR" dirty="0"/>
-              <a:t>Back End</a:t>
+              <a:t>Front End</a:t>
             </a:r>
           </a:p>
         </p:txBody>
@@ -4579,11 +4644,11 @@
           <a:p>
             <a:r>
               <a:rPr lang="fr-FR" dirty="0"/>
-              <a:t>Back End avec </a:t>
+              <a:t>Front End avec </a:t>
             </a:r>
             <a:r>
               <a:rPr lang="fr-FR" dirty="0" err="1"/>
-              <a:t>symfony</a:t>
+              <a:t>AngularJs</a:t>
             </a:r>
             <a:endParaRPr lang="en-US" dirty="0"/>
           </a:p>
@@ -4591,27 +4656,86 @@
             <a:pPr lvl="1"/>
             <a:r>
               <a:rPr lang="fr-FR" dirty="0"/>
-              <a:t>Controller</a:t>
-            </a:r>
+              <a:t>4 Onglets de navigation :</a:t>
+            </a:r>
+          </a:p>
+          <a:p>
+            <a:pPr lvl="2"/>
+            <a:r>
+              <a:rPr lang="fr-FR" dirty="0"/>
+              <a:t>Profile</a:t>
+            </a:r>
+          </a:p>
+          <a:p>
+            <a:pPr lvl="2"/>
+            <a:r>
+              <a:rPr lang="fr-FR" dirty="0"/>
+              <a:t>Activity</a:t>
+            </a:r>
+          </a:p>
+          <a:p>
+            <a:pPr lvl="2"/>
+            <a:r>
+              <a:rPr lang="fr-FR" dirty="0"/>
+              <a:t>Performance</a:t>
+            </a:r>
+          </a:p>
+          <a:p>
+            <a:pPr lvl="2"/>
+            <a:r>
+              <a:rPr lang="fr-FR" dirty="0" err="1"/>
+              <a:t>Sleep</a:t>
+            </a:r>
+            <a:endParaRPr lang="fr-FR" dirty="0"/>
           </a:p>
           <a:p>
             <a:pPr lvl="1"/>
             <a:r>
+              <a:rPr lang="fr-FR"/>
+              <a:t>Widgets indiquant </a:t>
+            </a:r>
+            <a:r>
               <a:rPr lang="fr-FR" dirty="0"/>
-              <a:t>Doctrine</a:t>
-            </a:r>
-          </a:p>
-          <a:p>
-            <a:pPr lvl="2"/>
+              <a:t>les données du jour actuel</a:t>
+            </a:r>
+          </a:p>
+          <a:p>
+            <a:pPr lvl="1"/>
             <a:r>
               <a:rPr lang="fr-FR" dirty="0"/>
-              <a:t>Récupération depuis </a:t>
+              <a:t>Graphiques </a:t>
             </a:r>
             <a:r>
               <a:rPr lang="fr-FR" dirty="0" err="1"/>
-              <a:t>bdd</a:t>
-            </a:r>
-            <a:endParaRPr lang="fr-FR" dirty="0"/>
+              <a:t>interractifs</a:t>
+            </a:r>
+            <a:r>
+              <a:rPr lang="fr-FR" dirty="0"/>
+              <a:t> présentant les données sur la dernière semaine/mois/année</a:t>
+            </a:r>
+          </a:p>
+          <a:p>
+            <a:pPr lvl="1"/>
+            <a:r>
+              <a:rPr lang="fr-FR" dirty="0"/>
+              <a:t>Un </a:t>
+            </a:r>
+            <a:r>
+              <a:rPr lang="fr-FR" dirty="0" err="1"/>
+              <a:t>side</a:t>
+            </a:r>
+            <a:r>
+              <a:rPr lang="fr-FR" dirty="0"/>
+              <a:t> menu </a:t>
+            </a:r>
+            <a:r>
+              <a:rPr lang="fr-FR" dirty="0" err="1"/>
+              <a:t>friend</a:t>
+            </a:r>
+            <a:r>
+              <a:rPr lang="fr-FR" dirty="0"/>
+              <a:t>, et un bouton réglage</a:t>
+            </a:r>
           </a:p>
           <a:p>
             <a:pPr lvl="2"/>
@@ -4619,46 +4743,10 @@
           </a:p>
           <a:p>
             <a:pPr lvl="1"/>
-            <a:r>
-              <a:rPr lang="fr-FR" dirty="0"/>
-              <a:t>Conversion </a:t>
-            </a:r>
-            <a:r>
-              <a:rPr lang="fr-FR" dirty="0" err="1"/>
-              <a:t>sql</a:t>
-            </a:r>
-            <a:r>
-              <a:rPr lang="fr-FR" dirty="0"/>
-              <a:t> -&gt; </a:t>
-            </a:r>
-            <a:r>
-              <a:rPr lang="fr-FR" dirty="0" err="1"/>
-              <a:t>Json</a:t>
-            </a:r>
             <a:endParaRPr lang="fr-FR" dirty="0"/>
           </a:p>
           <a:p>
             <a:pPr lvl="1"/>
-            <a:endParaRPr lang="fr-FR" dirty="0"/>
-          </a:p>
-          <a:p>
-            <a:pPr lvl="1"/>
-            <a:r>
-              <a:rPr lang="fr-FR" dirty="0" err="1"/>
-              <a:t>Routing</a:t>
-            </a:r>
-            <a:endParaRPr lang="fr-FR" dirty="0"/>
-          </a:p>
-          <a:p>
-            <a:pPr lvl="2"/>
-            <a:r>
-              <a:rPr lang="fr-FR" dirty="0"/>
-              <a:t>Envoi du </a:t>
-            </a:r>
-            <a:r>
-              <a:rPr lang="fr-FR" dirty="0" err="1"/>
-              <a:t>Json</a:t>
-            </a:r>
             <a:endParaRPr lang="fr-FR" dirty="0"/>
           </a:p>
         </p:txBody>
@@ -4666,7 +4754,7 @@
     </p:spTree>
     <p:extLst>
       <p:ext uri="{BB962C8B-B14F-4D97-AF65-F5344CB8AC3E}">
-        <p14:creationId xmlns:p14="http://schemas.microsoft.com/office/powerpoint/2010/main" val="920738447"/>
+        <p14:creationId xmlns:p14="http://schemas.microsoft.com/office/powerpoint/2010/main" val="2667706295"/>
       </p:ext>
     </p:extLst>
   </p:cSld>
@@ -4710,7 +4798,7 @@
           <a:p>
             <a:r>
               <a:rPr lang="fr-FR" dirty="0"/>
-              <a:t>Bilan du projet </a:t>
+              <a:t>Back End</a:t>
             </a:r>
           </a:p>
         </p:txBody>
@@ -4734,167 +4822,94 @@
           <a:p>
             <a:r>
               <a:rPr lang="fr-FR" dirty="0"/>
-              <a:t>Lien GIT : </a:t>
-            </a:r>
-            <a:r>
-              <a:rPr lang="fr-FR" dirty="0">
-                <a:solidFill>
-                  <a:schemeClr val="tx2">
-                    <a:lumMod val="60000"/>
-                    <a:lumOff val="40000"/>
-                  </a:schemeClr>
-                </a:solidFill>
-                <a:hlinkClick r:id="rId2"/>
-              </a:rPr>
-              <a:t>https://goo.gl/mvaR6A</a:t>
-            </a:r>
-            <a:endParaRPr lang="fr-FR" dirty="0">
-              <a:solidFill>
-                <a:schemeClr val="tx2">
-                  <a:lumMod val="60000"/>
-                  <a:lumOff val="40000"/>
-                </a:schemeClr>
-              </a:solidFill>
-            </a:endParaRPr>
-          </a:p>
-          <a:p>
-            <a:endParaRPr lang="fr-FR" dirty="0">
-              <a:solidFill>
-                <a:schemeClr val="tx2">
-                  <a:lumMod val="60000"/>
-                  <a:lumOff val="40000"/>
-                </a:schemeClr>
-              </a:solidFill>
-            </a:endParaRPr>
-          </a:p>
-          <a:p>
-            <a:r>
-              <a:rPr lang="fr-FR" dirty="0">
-                <a:solidFill>
-                  <a:schemeClr val="tx2">
-                    <a:lumMod val="60000"/>
-                    <a:lumOff val="40000"/>
-                  </a:schemeClr>
-                </a:solidFill>
-              </a:rPr>
-              <a:t>Téléchargement APK : </a:t>
-            </a:r>
-            <a:r>
-              <a:rPr lang="fr-FR" sz="2000" dirty="0">
-                <a:solidFill>
-                  <a:schemeClr val="tx2">
-                    <a:lumMod val="60000"/>
-                    <a:lumOff val="40000"/>
-                  </a:schemeClr>
-                </a:solidFill>
-              </a:rPr>
-              <a:t>http://</a:t>
-            </a:r>
-            <a:r>
-              <a:rPr lang="fr-FR" dirty="0">
-                <a:solidFill>
-                  <a:schemeClr val="tx2">
-                    <a:lumMod val="60000"/>
-                    <a:lumOff val="40000"/>
-                  </a:schemeClr>
-                </a:solidFill>
-              </a:rPr>
-              <a:t> </a:t>
-            </a:r>
-            <a:r>
-              <a:rPr lang="fr-FR" sz="2000" dirty="0">
-                <a:solidFill>
-                  <a:schemeClr val="tx2">
-                    <a:lumMod val="60000"/>
-                    <a:lumOff val="40000"/>
-                  </a:schemeClr>
-                </a:solidFill>
-              </a:rPr>
-              <a:t>romlugas.synology.me/web/</a:t>
-            </a:r>
-            <a:r>
-              <a:rPr lang="fr-FR" sz="2000" dirty="0" err="1">
-                <a:solidFill>
-                  <a:schemeClr val="tx2">
-                    <a:lumMod val="60000"/>
-                    <a:lumOff val="40000"/>
-                  </a:schemeClr>
-                </a:solidFill>
-              </a:rPr>
-              <a:t>android-debug.apk</a:t>
-            </a:r>
-            <a:endParaRPr lang="fr-FR" sz="2000" dirty="0">
-              <a:solidFill>
-                <a:schemeClr val="tx2">
-                  <a:lumMod val="60000"/>
-                  <a:lumOff val="40000"/>
-                </a:schemeClr>
-              </a:solidFill>
-            </a:endParaRPr>
-          </a:p>
-          <a:p>
-            <a:endParaRPr lang="fr-FR" sz="2000" dirty="0">
-              <a:solidFill>
-                <a:schemeClr val="tx2">
-                  <a:lumMod val="60000"/>
-                  <a:lumOff val="40000"/>
-                </a:schemeClr>
-              </a:solidFill>
-            </a:endParaRPr>
-          </a:p>
-          <a:p>
-            <a:r>
-              <a:rPr lang="fr-FR" dirty="0">
-                <a:solidFill>
-                  <a:schemeClr val="tx2">
-                    <a:lumMod val="60000"/>
-                    <a:lumOff val="40000"/>
-                  </a:schemeClr>
-                </a:solidFill>
-              </a:rPr>
-              <a:t>Ce que le projet nous a apporté ?</a:t>
-            </a:r>
-          </a:p>
-          <a:p>
-            <a:endParaRPr lang="fr-FR" dirty="0">
-              <a:solidFill>
-                <a:schemeClr val="tx2">
-                  <a:lumMod val="60000"/>
-                  <a:lumOff val="40000"/>
-                </a:schemeClr>
-              </a:solidFill>
-            </a:endParaRPr>
-          </a:p>
-          <a:p>
-            <a:r>
-              <a:rPr lang="fr-FR" dirty="0" err="1">
-                <a:solidFill>
-                  <a:schemeClr val="tx2">
-                    <a:lumMod val="60000"/>
-                    <a:lumOff val="40000"/>
-                  </a:schemeClr>
-                </a:solidFill>
-              </a:rPr>
-              <a:t>Dfficultés</a:t>
-            </a:r>
-            <a:r>
-              <a:rPr lang="fr-FR" dirty="0">
-                <a:solidFill>
-                  <a:schemeClr val="tx2">
-                    <a:lumMod val="60000"/>
-                    <a:lumOff val="40000"/>
-                  </a:schemeClr>
-                </a:solidFill>
-              </a:rPr>
-              <a:t> rencontrées ?</a:t>
-            </a:r>
+              <a:t>Back End avec </a:t>
+            </a:r>
+            <a:r>
+              <a:rPr lang="fr-FR" dirty="0" err="1"/>
+              <a:t>symfony</a:t>
+            </a:r>
+            <a:endParaRPr lang="en-US" dirty="0"/>
+          </a:p>
+          <a:p>
+            <a:pPr lvl="1"/>
+            <a:r>
+              <a:rPr lang="fr-FR" dirty="0"/>
+              <a:t>Controller</a:t>
+            </a:r>
+          </a:p>
+          <a:p>
+            <a:pPr lvl="1"/>
+            <a:r>
+              <a:rPr lang="fr-FR" dirty="0"/>
+              <a:t>Doctrine</a:t>
+            </a:r>
+          </a:p>
+          <a:p>
+            <a:pPr lvl="2"/>
+            <a:r>
+              <a:rPr lang="fr-FR" dirty="0"/>
+              <a:t>Récupération depuis </a:t>
+            </a:r>
+            <a:r>
+              <a:rPr lang="fr-FR" dirty="0" err="1"/>
+              <a:t>bdd</a:t>
+            </a:r>
+            <a:endParaRPr lang="fr-FR" dirty="0"/>
+          </a:p>
+          <a:p>
+            <a:pPr lvl="2"/>
+            <a:endParaRPr lang="fr-FR" dirty="0"/>
+          </a:p>
+          <a:p>
+            <a:pPr lvl="1"/>
+            <a:r>
+              <a:rPr lang="fr-FR" dirty="0"/>
+              <a:t>Conversion </a:t>
+            </a:r>
+            <a:r>
+              <a:rPr lang="fr-FR" dirty="0" err="1"/>
+              <a:t>sql</a:t>
+            </a:r>
+            <a:r>
+              <a:rPr lang="fr-FR" dirty="0"/>
+              <a:t> -&gt; </a:t>
+            </a:r>
+            <a:r>
+              <a:rPr lang="fr-FR" dirty="0" err="1"/>
+              <a:t>Json</a:t>
+            </a:r>
+            <a:endParaRPr lang="fr-FR" dirty="0"/>
+          </a:p>
+          <a:p>
+            <a:pPr lvl="1"/>
+            <a:endParaRPr lang="fr-FR" dirty="0"/>
+          </a:p>
+          <a:p>
+            <a:pPr lvl="1"/>
+            <a:r>
+              <a:rPr lang="fr-FR" dirty="0" err="1"/>
+              <a:t>Routing</a:t>
+            </a:r>
+            <a:endParaRPr lang="fr-FR" dirty="0"/>
+          </a:p>
+          <a:p>
+            <a:pPr lvl="2"/>
+            <a:r>
+              <a:rPr lang="fr-FR" dirty="0"/>
+              <a:t>Envoi du </a:t>
+            </a:r>
+            <a:r>
+              <a:rPr lang="fr-FR" dirty="0" err="1"/>
+              <a:t>Json</a:t>
+            </a:r>
+            <a:endParaRPr lang="fr-FR" dirty="0"/>
           </a:p>
         </p:txBody>
       </p:sp>
     </p:spTree>
     <p:extLst>
       <p:ext uri="{BB962C8B-B14F-4D97-AF65-F5344CB8AC3E}">
-        <p14:creationId xmlns:p14="http://schemas.microsoft.com/office/powerpoint/2010/main" val="613052678"/>
+        <p14:creationId xmlns:p14="http://schemas.microsoft.com/office/powerpoint/2010/main" val="920738447"/>
       </p:ext>
     </p:extLst>
   </p:cSld>
@@ -4938,14 +4953,14 @@
           <a:p>
             <a:r>
               <a:rPr lang="fr-FR" dirty="0"/>
-              <a:t>Question ?</a:t>
-            </a:r>
-          </a:p>
-        </p:txBody>
-      </p:sp>
-      <p:sp>
-        <p:nvSpPr>
-          <p:cNvPr id="4" name="Espace réservé du contenu 3"/>
+              <a:t>Bilan du projet </a:t>
+            </a:r>
+          </a:p>
+        </p:txBody>
+      </p:sp>
+      <p:sp>
+        <p:nvSpPr>
+          <p:cNvPr id="3" name="Espace réservé du contenu 2"/>
           <p:cNvSpPr>
             <a:spLocks noGrp="1"/>
           </p:cNvSpPr>
@@ -4960,17 +4975,169 @@
           </a:bodyPr>
           <a:lstStyle/>
           <a:p>
-            <a:pPr marL="137160" indent="0">
-              <a:buNone/>
-            </a:pPr>
-            <a:endParaRPr lang="fr-FR" dirty="0"/>
+            <a:r>
+              <a:rPr lang="fr-FR" dirty="0"/>
+              <a:t>Lien GIT : </a:t>
+            </a:r>
+            <a:r>
+              <a:rPr lang="fr-FR" dirty="0">
+                <a:solidFill>
+                  <a:schemeClr val="tx2">
+                    <a:lumMod val="60000"/>
+                    <a:lumOff val="40000"/>
+                  </a:schemeClr>
+                </a:solidFill>
+                <a:hlinkClick r:id="rId2"/>
+              </a:rPr>
+              <a:t>https://goo.gl/mvaR6A</a:t>
+            </a:r>
+            <a:endParaRPr lang="fr-FR" dirty="0">
+              <a:solidFill>
+                <a:schemeClr val="tx2">
+                  <a:lumMod val="60000"/>
+                  <a:lumOff val="40000"/>
+                </a:schemeClr>
+              </a:solidFill>
+            </a:endParaRPr>
+          </a:p>
+          <a:p>
+            <a:endParaRPr lang="fr-FR" dirty="0">
+              <a:solidFill>
+                <a:schemeClr val="tx2">
+                  <a:lumMod val="60000"/>
+                  <a:lumOff val="40000"/>
+                </a:schemeClr>
+              </a:solidFill>
+            </a:endParaRPr>
+          </a:p>
+          <a:p>
+            <a:r>
+              <a:rPr lang="fr-FR" dirty="0">
+                <a:solidFill>
+                  <a:schemeClr val="tx2">
+                    <a:lumMod val="60000"/>
+                    <a:lumOff val="40000"/>
+                  </a:schemeClr>
+                </a:solidFill>
+              </a:rPr>
+              <a:t>Téléchargement APK : </a:t>
+            </a:r>
+            <a:r>
+              <a:rPr lang="fr-FR" sz="2000" dirty="0">
+                <a:solidFill>
+                  <a:schemeClr val="tx2">
+                    <a:lumMod val="60000"/>
+                    <a:lumOff val="40000"/>
+                  </a:schemeClr>
+                </a:solidFill>
+              </a:rPr>
+              <a:t>http://</a:t>
+            </a:r>
+            <a:r>
+              <a:rPr lang="fr-FR" dirty="0">
+                <a:solidFill>
+                  <a:schemeClr val="tx2">
+                    <a:lumMod val="60000"/>
+                    <a:lumOff val="40000"/>
+                  </a:schemeClr>
+                </a:solidFill>
+              </a:rPr>
+              <a:t> </a:t>
+            </a:r>
+            <a:r>
+              <a:rPr lang="fr-FR" sz="2000" dirty="0">
+                <a:solidFill>
+                  <a:schemeClr val="tx2">
+                    <a:lumMod val="60000"/>
+                    <a:lumOff val="40000"/>
+                  </a:schemeClr>
+                </a:solidFill>
+              </a:rPr>
+              <a:t>romlugas.synology.me/web/</a:t>
+            </a:r>
+            <a:r>
+              <a:rPr lang="fr-FR" sz="2000" dirty="0" err="1">
+                <a:solidFill>
+                  <a:schemeClr val="tx2">
+                    <a:lumMod val="60000"/>
+                    <a:lumOff val="40000"/>
+                  </a:schemeClr>
+                </a:solidFill>
+              </a:rPr>
+              <a:t>android-debug.apk</a:t>
+            </a:r>
+            <a:endParaRPr lang="fr-FR" sz="2000" dirty="0">
+              <a:solidFill>
+                <a:schemeClr val="tx2">
+                  <a:lumMod val="60000"/>
+                  <a:lumOff val="40000"/>
+                </a:schemeClr>
+              </a:solidFill>
+            </a:endParaRPr>
+          </a:p>
+          <a:p>
+            <a:endParaRPr lang="fr-FR" sz="2000" dirty="0">
+              <a:solidFill>
+                <a:schemeClr val="tx2">
+                  <a:lumMod val="60000"/>
+                  <a:lumOff val="40000"/>
+                </a:schemeClr>
+              </a:solidFill>
+            </a:endParaRPr>
+          </a:p>
+          <a:p>
+            <a:r>
+              <a:rPr lang="fr-FR" dirty="0">
+                <a:solidFill>
+                  <a:schemeClr val="tx2">
+                    <a:lumMod val="60000"/>
+                    <a:lumOff val="40000"/>
+                  </a:schemeClr>
+                </a:solidFill>
+              </a:rPr>
+              <a:t>Ce que le projet nous a apporté ?</a:t>
+            </a:r>
+          </a:p>
+          <a:p>
+            <a:endParaRPr lang="fr-FR" dirty="0">
+              <a:solidFill>
+                <a:schemeClr val="tx2">
+                  <a:lumMod val="60000"/>
+                  <a:lumOff val="40000"/>
+                </a:schemeClr>
+              </a:solidFill>
+            </a:endParaRPr>
+          </a:p>
+          <a:p>
+            <a:r>
+              <a:rPr lang="fr-FR" dirty="0" err="1">
+                <a:solidFill>
+                  <a:schemeClr val="tx2">
+                    <a:lumMod val="60000"/>
+                    <a:lumOff val="40000"/>
+                  </a:schemeClr>
+                </a:solidFill>
+              </a:rPr>
+              <a:t>Dfficultés</a:t>
+            </a:r>
+            <a:r>
+              <a:rPr lang="fr-FR" dirty="0">
+                <a:solidFill>
+                  <a:schemeClr val="tx2">
+                    <a:lumMod val="60000"/>
+                    <a:lumOff val="40000"/>
+                  </a:schemeClr>
+                </a:solidFill>
+              </a:rPr>
+              <a:t> rencontrées ?</a:t>
+            </a:r>
           </a:p>
         </p:txBody>
       </p:sp>
     </p:spTree>
     <p:extLst>
       <p:ext uri="{BB962C8B-B14F-4D97-AF65-F5344CB8AC3E}">
-        <p14:creationId xmlns:p14="http://schemas.microsoft.com/office/powerpoint/2010/main" val="2072462896"/>
+        <p14:creationId xmlns:p14="http://schemas.microsoft.com/office/powerpoint/2010/main" val="613052678"/>
       </p:ext>
     </p:extLst>
   </p:cSld>
@@ -5565,12 +5732,21 @@
 </file>
 
 <file path=customXml/item1.xml><?xml version="1.0" encoding="utf-8"?>
+<?mso-contentType ?>
+<FormTemplates xmlns="http://schemas.microsoft.com/sharepoint/v3/contenttype/forms">
+  <Display>DocumentLibraryForm</Display>
+  <Edit>DocumentLibraryForm</Edit>
+  <New>DocumentLibraryForm</New>
+</FormTemplates>
+</file>
+
+<file path=customXml/item2.xml><?xml version="1.0" encoding="utf-8"?>
 <p:properties xmlns:p="http://schemas.microsoft.com/office/2006/metadata/properties" xmlns:xsi="http://www.w3.org/2001/XMLSchema-instance" xmlns:pc="http://schemas.microsoft.com/office/infopath/2007/PartnerControls">
   <documentManagement/>
 </p:properties>
 </file>
 
-<file path=customXml/item2.xml><?xml version="1.0" encoding="utf-8"?>
+<file path=customXml/item3.xml><?xml version="1.0" encoding="utf-8"?>
 <ct:contentTypeSchema xmlns:ct="http://schemas.microsoft.com/office/2006/metadata/contentType" xmlns:ma="http://schemas.microsoft.com/office/2006/metadata/properties/metaAttributes" ct:_="" ma:_="" ma:contentTypeName="Document" ma:contentTypeID="0x01010050E9E7F47F6C684298B371C51CC664B0" ma:contentTypeVersion="2" ma:contentTypeDescription="Crée un document." ma:contentTypeScope="" ma:versionID="58d29d92bb54023694845d38327d8aa1">
   <xsd:schema xmlns:xsd="http://www.w3.org/2001/XMLSchema" xmlns:xs="http://www.w3.org/2001/XMLSchema" xmlns:p="http://schemas.microsoft.com/office/2006/metadata/properties" xmlns:ns2="2122d8ff-615f-476d-852d-65d89f5504cc" targetNamespace="http://schemas.microsoft.com/office/2006/metadata/properties" ma:root="true" ma:fieldsID="eeb8f822d5eb8109fdb12ff64870f58d" ns2:_="">
     <xsd:import namespace="2122d8ff-615f-476d-852d-65d89f5504cc"/>
@@ -5718,16 +5894,15 @@
 </ct:contentTypeSchema>
 </file>
 
-<file path=customXml/item3.xml><?xml version="1.0" encoding="utf-8"?>
-<?mso-contentType ?>
-<FormTemplates xmlns="http://schemas.microsoft.com/sharepoint/v3/contenttype/forms">
-  <Display>DocumentLibraryForm</Display>
-  <Edit>DocumentLibraryForm</Edit>
-  <New>DocumentLibraryForm</New>
-</FormTemplates>
+<file path=customXml/itemProps1.xml><?xml version="1.0" encoding="utf-8"?>
+<ds:datastoreItem xmlns:ds="http://schemas.openxmlformats.org/officeDocument/2006/customXml" ds:itemID="{4EF88F8F-C50B-4693-870B-E5762065673A}">
+  <ds:schemaRefs>
+    <ds:schemaRef ds:uri="http://schemas.microsoft.com/sharepoint/v3/contenttype/forms"/>
+  </ds:schemaRefs>
+</ds:datastoreItem>
 </file>
 
-<file path=customXml/itemProps1.xml><?xml version="1.0" encoding="utf-8"?>
+<file path=customXml/itemProps2.xml><?xml version="1.0" encoding="utf-8"?>
 <ds:datastoreItem xmlns:ds="http://schemas.openxmlformats.org/officeDocument/2006/customXml" ds:itemID="{AFF19669-5000-445C-917D-2A99B9091117}">
   <ds:schemaRefs>
     <ds:schemaRef ds:uri="http://schemas.microsoft.com/office/2006/metadata/properties"/>
@@ -5736,7 +5911,7 @@
 </ds:datastoreItem>
 </file>
 
-<file path=customXml/itemProps2.xml><?xml version="1.0" encoding="utf-8"?>
+<file path=customXml/itemProps3.xml><?xml version="1.0" encoding="utf-8"?>
 <ds:datastoreItem xmlns:ds="http://schemas.openxmlformats.org/officeDocument/2006/customXml" ds:itemID="{D1B63F61-D33D-43CD-A205-0B9E36EB5C60}">
   <ds:schemaRefs>
     <ds:schemaRef ds:uri="http://schemas.microsoft.com/office/2006/metadata/contentType"/>
@@ -5752,12 +5927,4 @@
     <ds:schemaRef ds:uri="http://schemas.microsoft.com/internal/obd"/>
   </ds:schemaRefs>
 </ds:datastoreItem>
-</file>
-
-<file path=customXml/itemProps3.xml><?xml version="1.0" encoding="utf-8"?>
-<ds:datastoreItem xmlns:ds="http://schemas.openxmlformats.org/officeDocument/2006/customXml" ds:itemID="{4EF88F8F-C50B-4693-870B-E5762065673A}">
-  <ds:schemaRefs>
-    <ds:schemaRef ds:uri="http://schemas.microsoft.com/sharepoint/v3/contenttype/forms"/>
-  </ds:schemaRefs>
-</ds:datastoreItem>
 </file>